--- a/Mixed Reviews Senior Project Presentation.pptx
+++ b/Mixed Reviews Senior Project Presentation.pptx
@@ -1167,7 +1167,7 @@
   <p:cSld>
     <p:spTree>
       <p:nvGrpSpPr>
-        <p:cNvPr id="232" name="Shape 232"/>
+        <p:cNvPr id="233" name="Shape 233"/>
         <p:cNvGrpSpPr/>
         <p:nvPr/>
       </p:nvGrpSpPr>
@@ -1181,7 +1181,7 @@
       </p:grpSpPr>
       <p:sp>
         <p:nvSpPr>
-          <p:cNvPr id="233" name="Shape 233"/>
+          <p:cNvPr id="234" name="Shape 234"/>
           <p:cNvSpPr/>
           <p:nvPr>
             <p:ph idx="2" type="sldImg"/>
@@ -1225,7 +1225,7 @@
       </p:sp>
       <p:sp>
         <p:nvSpPr>
-          <p:cNvPr id="234" name="Shape 234"/>
+          <p:cNvPr id="235" name="Shape 235"/>
           <p:cNvSpPr txBox="1"/>
           <p:nvPr>
             <p:ph idx="1" type="body"/>
@@ -19692,7 +19692,7 @@
             <a:endParaRPr sz="1400"/>
           </a:p>
           <a:p>
-            <a:pPr indent="-317500" lvl="0" marL="457200">
+            <a:pPr indent="-317500" lvl="0" marL="457200" rtl="0">
               <a:spcBef>
                 <a:spcPts val="1600"/>
               </a:spcBef>
@@ -19707,6 +19707,108 @@
               <a:t>Save errors to log files</a:t>
             </a:r>
             <a:endParaRPr sz="1400"/>
+          </a:p>
+          <a:p>
+            <a:pPr indent="0" lvl="0" marL="0" rtl="0">
+              <a:spcBef>
+                <a:spcPts val="1600"/>
+              </a:spcBef>
+              <a:spcAft>
+                <a:spcPts val="0"/>
+              </a:spcAft>
+              <a:buNone/>
+            </a:pPr>
+            <a:r>
+              <a:t/>
+            </a:r>
+            <a:endParaRPr sz="1400"/>
+          </a:p>
+          <a:p>
+            <a:pPr indent="0" lvl="0" marL="0" rtl="0">
+              <a:spcBef>
+                <a:spcPts val="1600"/>
+              </a:spcBef>
+              <a:spcAft>
+                <a:spcPts val="0"/>
+              </a:spcAft>
+              <a:buNone/>
+            </a:pPr>
+            <a:r>
+              <a:t/>
+            </a:r>
+            <a:endParaRPr sz="1400"/>
+          </a:p>
+          <a:p>
+            <a:pPr indent="0" lvl="0" marL="0" rtl="0">
+              <a:spcBef>
+                <a:spcPts val="1600"/>
+              </a:spcBef>
+              <a:spcAft>
+                <a:spcPts val="0"/>
+              </a:spcAft>
+              <a:buNone/>
+            </a:pPr>
+            <a:r>
+              <a:t/>
+            </a:r>
+            <a:endParaRPr sz="1400"/>
+          </a:p>
+          <a:p>
+            <a:pPr indent="-317500" lvl="0" marL="457200">
+              <a:spcBef>
+                <a:spcPts val="1600"/>
+              </a:spcBef>
+              <a:spcAft>
+                <a:spcPts val="0"/>
+              </a:spcAft>
+              <a:buSzPts val="1400"/>
+              <a:buChar char="-"/>
+            </a:pPr>
+            <a:r>
+              <a:rPr lang="en" sz="1400"/>
+              <a:t>Add more APi sites, from places such as Facebook, TripAdvisor</a:t>
+            </a:r>
+            <a:endParaRPr sz="1400"/>
+          </a:p>
+        </p:txBody>
+      </p:sp>
+      <p:sp>
+        <p:nvSpPr>
+          <p:cNvPr id="232" name="Shape 232"/>
+          <p:cNvSpPr txBox="1"/>
+          <p:nvPr>
+            <p:ph type="title"/>
+          </p:nvPr>
+        </p:nvSpPr>
+        <p:spPr>
+          <a:xfrm>
+            <a:off x="3250725" y="2318250"/>
+            <a:ext cx="2554800" cy="507000"/>
+          </a:xfrm>
+          <a:prstGeom prst="rect">
+            <a:avLst/>
+          </a:prstGeom>
+        </p:spPr>
+        <p:txBody>
+          <a:bodyPr anchorCtr="0" anchor="t" bIns="91425" lIns="91425" spcFirstLastPara="1" rIns="91425" wrap="square" tIns="91425">
+            <a:noAutofit/>
+          </a:bodyPr>
+          <a:lstStyle/>
+          <a:p>
+            <a:pPr indent="0" lvl="0" marL="0" rtl="0" algn="ctr">
+              <a:spcBef>
+                <a:spcPts val="0"/>
+              </a:spcBef>
+              <a:spcAft>
+                <a:spcPts val="0"/>
+              </a:spcAft>
+              <a:buNone/>
+            </a:pPr>
+            <a:r>
+              <a:rPr lang="en"/>
+              <a:t>Nice To Haves</a:t>
+            </a:r>
+            <a:endParaRPr/>
           </a:p>
         </p:txBody>
       </p:sp>
@@ -19723,7 +19825,7 @@
   <p:cSld>
     <p:spTree>
       <p:nvGrpSpPr>
-        <p:cNvPr id="235" name="Shape 235"/>
+        <p:cNvPr id="236" name="Shape 236"/>
         <p:cNvGrpSpPr/>
         <p:nvPr/>
       </p:nvGrpSpPr>
@@ -19737,7 +19839,7 @@
       </p:grpSpPr>
       <p:sp>
         <p:nvSpPr>
-          <p:cNvPr id="236" name="Shape 236"/>
+          <p:cNvPr id="237" name="Shape 237"/>
           <p:cNvSpPr txBox="1"/>
           <p:nvPr>
             <p:ph type="title"/>
@@ -19789,7 +19891,7 @@
       </p:sp>
       <p:pic>
         <p:nvPicPr>
-          <p:cNvPr id="237" name="Shape 237"/>
+          <p:cNvPr id="238" name="Shape 238"/>
           <p:cNvPicPr preferRelativeResize="0"/>
           <p:nvPr/>
         </p:nvPicPr>
@@ -20033,6 +20135,23 @@
             </a:pPr>
             <a:r>
               <a:rPr lang="en"/>
+              <a:t>Enhancements</a:t>
+            </a:r>
+            <a:endParaRPr/>
+          </a:p>
+          <a:p>
+            <a:pPr indent="-311150" lvl="0" marL="457200" rtl="0">
+              <a:spcBef>
+                <a:spcPts val="0"/>
+              </a:spcBef>
+              <a:spcAft>
+                <a:spcPts val="0"/>
+              </a:spcAft>
+              <a:buSzPts val="1300"/>
+              <a:buAutoNum type="arabicPeriod"/>
+            </a:pPr>
+            <a:r>
+              <a:rPr lang="en"/>
               <a:t>Quick Demo</a:t>
             </a:r>
             <a:endParaRPr/>
@@ -20163,8 +20282,8 @@
         </p:nvSpPr>
         <p:spPr>
           <a:xfrm>
-            <a:off x="1297500" y="753450"/>
-            <a:ext cx="7038900" cy="1773900"/>
+            <a:off x="1297500" y="1485125"/>
+            <a:ext cx="7038900" cy="1179300"/>
           </a:xfrm>
           <a:prstGeom prst="rect">
             <a:avLst/>
@@ -20199,7 +20318,7 @@
             </a:pPr>
             <a:r>
               <a:rPr lang="en" sz="1800"/>
-              <a:t>Users can l</a:t>
+              <a:t>Mixed Reviews is a desktop application that allows users to l</a:t>
             </a:r>
             <a:r>
               <a:rPr b="0" i="0" lang="en" sz="1800" u="none" cap="none" strike="noStrike">
@@ -20216,7 +20335,7 @@
             <a:endParaRPr/>
           </a:p>
           <a:p>
-            <a:pPr indent="-342900" lvl="0" marL="457200" marR="0" rtl="0" algn="l">
+            <a:pPr indent="0" lvl="0" marL="0" marR="0" rtl="0" algn="l">
               <a:lnSpc>
                 <a:spcPct val="115000"/>
               </a:lnSpc>
@@ -20226,44 +20345,10 @@
               <a:spcAft>
                 <a:spcPts val="0"/>
               </a:spcAft>
-              <a:buClr>
-                <a:schemeClr val="lt1"/>
-              </a:buClr>
-              <a:buSzPts val="1800"/>
-              <a:buFont typeface="Lato"/>
-              <a:buChar char="●"/>
+              <a:buNone/>
             </a:pPr>
             <a:r>
-              <a:rPr b="0" i="0" lang="en" sz="1800" u="none" cap="none" strike="noStrike">
-                <a:solidFill>
-                  <a:schemeClr val="lt1"/>
-                </a:solidFill>
-                <a:latin typeface="Lato"/>
-                <a:ea typeface="Lato"/>
-                <a:cs typeface="Lato"/>
-                <a:sym typeface="Lato"/>
-              </a:rPr>
-              <a:t>Allow users to filter out reviews by rating, or by site name (ie. Show </a:t>
-            </a:r>
-            <a:r>
-              <a:rPr lang="en" sz="1800"/>
-              <a:t>places with an average rating of at least 3</a:t>
-            </a:r>
-            <a:r>
-              <a:rPr b="0" i="0" lang="en" sz="1800" u="none" cap="none" strike="noStrike">
-                <a:solidFill>
-                  <a:schemeClr val="lt1"/>
-                </a:solidFill>
-                <a:latin typeface="Lato"/>
-                <a:ea typeface="Lato"/>
-                <a:cs typeface="Lato"/>
-                <a:sym typeface="Lato"/>
-              </a:rPr>
-              <a:t> stars </a:t>
-            </a:r>
-            <a:r>
-              <a:rPr lang="en" sz="1800"/>
-              <a:t> from google)</a:t>
+              <a:t/>
             </a:r>
             <a:endParaRPr b="0" i="0" sz="1800" u="none" cap="none" strike="noStrike">
               <a:solidFill>
@@ -20372,8 +20457,8 @@
         </p:nvSpPr>
         <p:spPr>
           <a:xfrm>
-            <a:off x="1297500" y="1234450"/>
-            <a:ext cx="7038900" cy="3325200"/>
+            <a:off x="1297500" y="1107100"/>
+            <a:ext cx="7038900" cy="4036500"/>
           </a:xfrm>
           <a:prstGeom prst="rect">
             <a:avLst/>
@@ -20452,7 +20537,39 @@
                 <a:cs typeface="Lato"/>
                 <a:sym typeface="Lato"/>
               </a:rPr>
-              <a:t>or every type of business, there are multiple review sites. The problem is that it’s difficult for users to filter through all the reviews and collate them to come to a conclusion on a business.</a:t>
+              <a:t>or every type of business, there are multiple review sites. The problem is that it’s difficult for users to </a:t>
+            </a:r>
+            <a:r>
+              <a:rPr lang="en" sz="1800"/>
+              <a:t>switch between different review sites</a:t>
+            </a:r>
+            <a:r>
+              <a:rPr b="0" i="0" lang="en" sz="1800" u="none" cap="none" strike="noStrike">
+                <a:solidFill>
+                  <a:schemeClr val="lt1"/>
+                </a:solidFill>
+                <a:latin typeface="Lato"/>
+                <a:ea typeface="Lato"/>
+                <a:cs typeface="Lato"/>
+                <a:sym typeface="Lato"/>
+              </a:rPr>
+              <a:t> </a:t>
+            </a:r>
+            <a:r>
+              <a:rPr lang="en" sz="1800"/>
+              <a:t>and </a:t>
+            </a:r>
+            <a:r>
+              <a:rPr b="0" i="0" lang="en" sz="1800" u="none" cap="none" strike="noStrike">
+                <a:solidFill>
+                  <a:schemeClr val="lt1"/>
+                </a:solidFill>
+                <a:latin typeface="Lato"/>
+                <a:ea typeface="Lato"/>
+                <a:cs typeface="Lato"/>
+                <a:sym typeface="Lato"/>
+              </a:rPr>
+              <a:t>collate them to come to a conclusion on a business.</a:t>
             </a:r>
             <a:endParaRPr b="0" i="0" sz="1800" u="none" cap="none" strike="noStrike">
               <a:solidFill>
@@ -20492,7 +20609,23 @@
                 <a:cs typeface="Lato"/>
                 <a:sym typeface="Lato"/>
               </a:rPr>
-              <a:t>This program completely solves that problem. Users can search across different review sites and have the results display on a single page.</a:t>
+              <a:t>This program completely solves that problem. Users can search across different review sites, and fil</a:t>
+            </a:r>
+            <a:r>
+              <a:rPr lang="en" sz="1800"/>
+              <a:t>ter out businesses by rating, or by site name (ie. Show places with an average rating of at least 3 stars  from google), </a:t>
+            </a:r>
+            <a:r>
+              <a:rPr b="0" i="0" lang="en" sz="1800" u="none" cap="none" strike="noStrike">
+                <a:solidFill>
+                  <a:schemeClr val="lt1"/>
+                </a:solidFill>
+                <a:latin typeface="Lato"/>
+                <a:ea typeface="Lato"/>
+                <a:cs typeface="Lato"/>
+                <a:sym typeface="Lato"/>
+              </a:rPr>
+              <a:t>and have the results display on a single page.</a:t>
             </a:r>
             <a:endParaRPr/>
           </a:p>
@@ -20673,6 +20806,24 @@
             <a:endParaRPr/>
           </a:p>
           <a:p>
+            <a:pPr indent="0" lvl="0" marL="0" marR="0" rtl="0" algn="l">
+              <a:lnSpc>
+                <a:spcPct val="115000"/>
+              </a:lnSpc>
+              <a:spcBef>
+                <a:spcPts val="0"/>
+              </a:spcBef>
+              <a:spcAft>
+                <a:spcPts val="0"/>
+              </a:spcAft>
+              <a:buNone/>
+            </a:pPr>
+            <a:r>
+              <a:t/>
+            </a:r>
+            <a:endParaRPr sz="1800"/>
+          </a:p>
+          <a:p>
             <a:pPr indent="-342900" lvl="0" marL="457200" marR="0" rtl="0" algn="l">
               <a:lnSpc>
                 <a:spcPct val="115000"/>
@@ -20692,7 +20843,25 @@
             </a:pPr>
             <a:r>
               <a:rPr lang="en" sz="1800"/>
-              <a:t>People who frequently love going out to explore;</a:t>
+              <a:t>People who frequently love to explore</a:t>
+            </a:r>
+            <a:endParaRPr sz="1800"/>
+          </a:p>
+          <a:p>
+            <a:pPr indent="0" lvl="0" marL="0" marR="0" rtl="0" algn="l">
+              <a:lnSpc>
+                <a:spcPct val="115000"/>
+              </a:lnSpc>
+              <a:spcBef>
+                <a:spcPts val="0"/>
+              </a:spcBef>
+              <a:spcAft>
+                <a:spcPts val="0"/>
+              </a:spcAft>
+              <a:buNone/>
+            </a:pPr>
+            <a:r>
+              <a:t/>
             </a:r>
             <a:endParaRPr sz="1800"/>
           </a:p>
@@ -20728,7 +20897,7 @@
                 <a:cs typeface="Lato"/>
                 <a:sym typeface="Lato"/>
               </a:rPr>
-              <a:t>eople who are lazy. These people won’t want to put any effort to switch from tab for their review results.</a:t>
+              <a:t>eople who are lazy. These people won’t want to put any effort to switch from tab to tab or window to window for their review results.</a:t>
             </a:r>
             <a:endParaRPr b="0" i="0" sz="1800" u="none" cap="none" strike="noStrike">
               <a:solidFill>
@@ -20741,7 +20910,7 @@
             </a:endParaRPr>
           </a:p>
           <a:p>
-            <a:pPr indent="-342900" lvl="0" marL="457200" marR="0" rtl="0" algn="l">
+            <a:pPr indent="0" lvl="0" marL="0" marR="0" rtl="0" algn="l">
               <a:lnSpc>
                 <a:spcPct val="115000"/>
               </a:lnSpc>
@@ -20751,12 +20920,7 @@
               <a:spcAft>
                 <a:spcPts val="0"/>
               </a:spcAft>
-              <a:buClr>
-                <a:schemeClr val="lt1"/>
-              </a:buClr>
-              <a:buSzPts val="1800"/>
-              <a:buFont typeface="Lato"/>
-              <a:buChar char="●"/>
+              <a:buNone/>
             </a:pPr>
             <a:r>
               <a:t/>
@@ -21115,7 +21279,7 @@
             </a:pPr>
             <a:r>
               <a:rPr lang="en" sz="1600"/>
-              <a:t>The program will let users search for a place offline if they have performed that exact search before</a:t>
+              <a:t>The program will let users who have a login search for a place offline if they have performed that exact search before</a:t>
             </a:r>
             <a:endParaRPr sz="1600"/>
           </a:p>
@@ -21576,25 +21740,6 @@
               <a:buNone/>
             </a:pPr>
             <a:r>
-              <a:rPr lang="en" sz="1100"/>
-              <a:t>com.mysql.jdbc</a:t>
-            </a:r>
-            <a:endParaRPr sz="1100"/>
-          </a:p>
-          <a:p>
-            <a:pPr indent="457200" lvl="0" marL="457200" marR="0" rtl="0" algn="l">
-              <a:lnSpc>
-                <a:spcPct val="115000"/>
-              </a:lnSpc>
-              <a:spcBef>
-                <a:spcPts val="0"/>
-              </a:spcBef>
-              <a:spcAft>
-                <a:spcPts val="0"/>
-              </a:spcAft>
-              <a:buNone/>
-            </a:pPr>
-            <a:r>
               <a:t/>
             </a:r>
             <a:endParaRPr sz="1400"/>
@@ -21667,6 +21812,24 @@
             <a:r>
               <a:rPr lang="en" sz="1100"/>
               <a:t>Backend Database</a:t>
+            </a:r>
+            <a:endParaRPr sz="1100"/>
+          </a:p>
+          <a:p>
+            <a:pPr indent="0" lvl="0" marL="0" marR="0" rtl="0" algn="l">
+              <a:lnSpc>
+                <a:spcPct val="115000"/>
+              </a:lnSpc>
+              <a:spcBef>
+                <a:spcPts val="0"/>
+              </a:spcBef>
+              <a:spcAft>
+                <a:spcPts val="0"/>
+              </a:spcAft>
+              <a:buNone/>
+            </a:pPr>
+            <a:r>
+              <a:t/>
             </a:r>
             <a:endParaRPr sz="1100"/>
           </a:p>
